--- a/ppt 16-9/1432.要将一切忧虑.pptx
+++ b/ppt 16-9/1432.要将一切忧虑.pptx
@@ -129,7 +129,7 @@
           <p:cNvPr id="2" name="标题 1">
             <a:extLst>
               <a:ext uri="{FF2B5EF4-FFF2-40B4-BE49-F238E27FC236}">
-                <a16:creationId xmlns:a16="http://schemas.microsoft.com/office/drawing/2014/main" id="{E27AAB85-9B19-55AE-C334-F3D6B53C56FD}"/>
+                <a16:creationId xmlns:a16="http://schemas.microsoft.com/office/drawing/2014/main" id="{7EB73E59-B9D5-501F-34F7-3ED5F51707EA}"/>
               </a:ext>
             </a:extLst>
           </p:cNvPr>
@@ -166,7 +166,7 @@
           <p:cNvPr id="3" name="副标题 2">
             <a:extLst>
               <a:ext uri="{FF2B5EF4-FFF2-40B4-BE49-F238E27FC236}">
-                <a16:creationId xmlns:a16="http://schemas.microsoft.com/office/drawing/2014/main" id="{CA2BBA16-9796-58A2-74EC-3660126ECB65}"/>
+                <a16:creationId xmlns:a16="http://schemas.microsoft.com/office/drawing/2014/main" id="{9FC82686-CB32-1F73-F69B-5A99C3CF5034}"/>
               </a:ext>
             </a:extLst>
           </p:cNvPr>
@@ -236,7 +236,7 @@
           <p:cNvPr id="4" name="日期占位符 3">
             <a:extLst>
               <a:ext uri="{FF2B5EF4-FFF2-40B4-BE49-F238E27FC236}">
-                <a16:creationId xmlns:a16="http://schemas.microsoft.com/office/drawing/2014/main" id="{FD78CDB7-A6F9-BC2C-094A-7975C04EA8D3}"/>
+                <a16:creationId xmlns:a16="http://schemas.microsoft.com/office/drawing/2014/main" id="{31B738FF-6D29-7730-78F4-6128A9F4933A}"/>
               </a:ext>
             </a:extLst>
           </p:cNvPr>
@@ -252,7 +252,7 @@
           <a:bodyPr/>
           <a:lstStyle/>
           <a:p>
-            <a:fld id="{D06A9216-88B1-4B6A-883F-953750918394}" type="datetimeFigureOut">
+            <a:fld id="{6F27A701-3EB6-4B73-AAC6-EE638EA08860}" type="datetimeFigureOut">
               <a:rPr lang="zh-CN" altLang="en-US" smtClean="0"/>
               <a:t>2024/3/10</a:t>
             </a:fld>
@@ -265,7 +265,7 @@
           <p:cNvPr id="5" name="页脚占位符 4">
             <a:extLst>
               <a:ext uri="{FF2B5EF4-FFF2-40B4-BE49-F238E27FC236}">
-                <a16:creationId xmlns:a16="http://schemas.microsoft.com/office/drawing/2014/main" id="{B0FE3989-C44B-C678-F3A5-44407DC39C04}"/>
+                <a16:creationId xmlns:a16="http://schemas.microsoft.com/office/drawing/2014/main" id="{AD9D91F0-9F71-F5E1-604B-A5FFDD0A8A57}"/>
               </a:ext>
             </a:extLst>
           </p:cNvPr>
@@ -290,7 +290,7 @@
           <p:cNvPr id="6" name="灯片编号占位符 5">
             <a:extLst>
               <a:ext uri="{FF2B5EF4-FFF2-40B4-BE49-F238E27FC236}">
-                <a16:creationId xmlns:a16="http://schemas.microsoft.com/office/drawing/2014/main" id="{86AB2833-5C6C-0EE3-141C-1A292F8B3A43}"/>
+                <a16:creationId xmlns:a16="http://schemas.microsoft.com/office/drawing/2014/main" id="{25C5EF4A-2B70-559B-5F00-12455E7E0661}"/>
               </a:ext>
             </a:extLst>
           </p:cNvPr>
@@ -306,7 +306,7 @@
           <a:bodyPr/>
           <a:lstStyle/>
           <a:p>
-            <a:fld id="{853083A5-DED1-4BBD-BAD8-60DB51954705}" type="slidenum">
+            <a:fld id="{5165751B-92E9-4719-B009-D0666559000A}" type="slidenum">
               <a:rPr lang="zh-CN" altLang="en-US" smtClean="0"/>
               <a:t>‹#›</a:t>
             </a:fld>
@@ -317,7 +317,7 @@
     </p:spTree>
     <p:extLst>
       <p:ext uri="{BB962C8B-B14F-4D97-AF65-F5344CB8AC3E}">
-        <p14:creationId xmlns:p14="http://schemas.microsoft.com/office/powerpoint/2010/main" val="2908561258"/>
+        <p14:creationId xmlns:p14="http://schemas.microsoft.com/office/powerpoint/2010/main" val="1356612248"/>
       </p:ext>
     </p:extLst>
   </p:cSld>
@@ -349,7 +349,7 @@
           <p:cNvPr id="2" name="标题 1">
             <a:extLst>
               <a:ext uri="{FF2B5EF4-FFF2-40B4-BE49-F238E27FC236}">
-                <a16:creationId xmlns:a16="http://schemas.microsoft.com/office/drawing/2014/main" id="{E8CF617E-487E-BCAC-D119-AF898FBAB987}"/>
+                <a16:creationId xmlns:a16="http://schemas.microsoft.com/office/drawing/2014/main" id="{64526679-3D15-3B7F-F3F5-92155DAA6FE0}"/>
               </a:ext>
             </a:extLst>
           </p:cNvPr>
@@ -377,7 +377,7 @@
           <p:cNvPr id="3" name="竖排文字占位符 2">
             <a:extLst>
               <a:ext uri="{FF2B5EF4-FFF2-40B4-BE49-F238E27FC236}">
-                <a16:creationId xmlns:a16="http://schemas.microsoft.com/office/drawing/2014/main" id="{2C86D437-9DA0-A1BD-DE04-EA2C20E4958B}"/>
+                <a16:creationId xmlns:a16="http://schemas.microsoft.com/office/drawing/2014/main" id="{DD15EB74-43FF-8403-27AE-86F8358FEE0E}"/>
               </a:ext>
             </a:extLst>
           </p:cNvPr>
@@ -434,7 +434,7 @@
           <p:cNvPr id="4" name="日期占位符 3">
             <a:extLst>
               <a:ext uri="{FF2B5EF4-FFF2-40B4-BE49-F238E27FC236}">
-                <a16:creationId xmlns:a16="http://schemas.microsoft.com/office/drawing/2014/main" id="{3EA37FC8-38BD-9C74-54F0-A41A5B3DCFA0}"/>
+                <a16:creationId xmlns:a16="http://schemas.microsoft.com/office/drawing/2014/main" id="{E078BD25-C6EF-A7DA-DFD1-ABA8E6FD5A58}"/>
               </a:ext>
             </a:extLst>
           </p:cNvPr>
@@ -450,7 +450,7 @@
           <a:bodyPr/>
           <a:lstStyle/>
           <a:p>
-            <a:fld id="{D06A9216-88B1-4B6A-883F-953750918394}" type="datetimeFigureOut">
+            <a:fld id="{6F27A701-3EB6-4B73-AAC6-EE638EA08860}" type="datetimeFigureOut">
               <a:rPr lang="zh-CN" altLang="en-US" smtClean="0"/>
               <a:t>2024/3/10</a:t>
             </a:fld>
@@ -463,7 +463,7 @@
           <p:cNvPr id="5" name="页脚占位符 4">
             <a:extLst>
               <a:ext uri="{FF2B5EF4-FFF2-40B4-BE49-F238E27FC236}">
-                <a16:creationId xmlns:a16="http://schemas.microsoft.com/office/drawing/2014/main" id="{BA59FAF5-D669-F4A7-83C1-E09782F429A4}"/>
+                <a16:creationId xmlns:a16="http://schemas.microsoft.com/office/drawing/2014/main" id="{32747E7B-0015-4278-0D8A-620747474F39}"/>
               </a:ext>
             </a:extLst>
           </p:cNvPr>
@@ -488,7 +488,7 @@
           <p:cNvPr id="6" name="灯片编号占位符 5">
             <a:extLst>
               <a:ext uri="{FF2B5EF4-FFF2-40B4-BE49-F238E27FC236}">
-                <a16:creationId xmlns:a16="http://schemas.microsoft.com/office/drawing/2014/main" id="{17D01B45-208C-4CAF-61B9-59DE3BB51A13}"/>
+                <a16:creationId xmlns:a16="http://schemas.microsoft.com/office/drawing/2014/main" id="{D2B5BBDF-1A8B-08D0-CBD0-E1C40326CEEA}"/>
               </a:ext>
             </a:extLst>
           </p:cNvPr>
@@ -504,7 +504,7 @@
           <a:bodyPr/>
           <a:lstStyle/>
           <a:p>
-            <a:fld id="{853083A5-DED1-4BBD-BAD8-60DB51954705}" type="slidenum">
+            <a:fld id="{5165751B-92E9-4719-B009-D0666559000A}" type="slidenum">
               <a:rPr lang="zh-CN" altLang="en-US" smtClean="0"/>
               <a:t>‹#›</a:t>
             </a:fld>
@@ -515,7 +515,7 @@
     </p:spTree>
     <p:extLst>
       <p:ext uri="{BB962C8B-B14F-4D97-AF65-F5344CB8AC3E}">
-        <p14:creationId xmlns:p14="http://schemas.microsoft.com/office/powerpoint/2010/main" val="3577951460"/>
+        <p14:creationId xmlns:p14="http://schemas.microsoft.com/office/powerpoint/2010/main" val="1466184705"/>
       </p:ext>
     </p:extLst>
   </p:cSld>
@@ -547,7 +547,7 @@
           <p:cNvPr id="2" name="竖排标题 1">
             <a:extLst>
               <a:ext uri="{FF2B5EF4-FFF2-40B4-BE49-F238E27FC236}">
-                <a16:creationId xmlns:a16="http://schemas.microsoft.com/office/drawing/2014/main" id="{22FF164A-281E-60B4-17B6-B882C71CDCF7}"/>
+                <a16:creationId xmlns:a16="http://schemas.microsoft.com/office/drawing/2014/main" id="{36A15FC0-741F-D24E-109F-8CB149CBD508}"/>
               </a:ext>
             </a:extLst>
           </p:cNvPr>
@@ -580,7 +580,7 @@
           <p:cNvPr id="3" name="竖排文字占位符 2">
             <a:extLst>
               <a:ext uri="{FF2B5EF4-FFF2-40B4-BE49-F238E27FC236}">
-                <a16:creationId xmlns:a16="http://schemas.microsoft.com/office/drawing/2014/main" id="{C3902640-DC31-FB4C-F9DB-B7763E29C9D5}"/>
+                <a16:creationId xmlns:a16="http://schemas.microsoft.com/office/drawing/2014/main" id="{51A40122-ABD8-182C-493C-7F34C2FF4E67}"/>
               </a:ext>
             </a:extLst>
           </p:cNvPr>
@@ -642,7 +642,7 @@
           <p:cNvPr id="4" name="日期占位符 3">
             <a:extLst>
               <a:ext uri="{FF2B5EF4-FFF2-40B4-BE49-F238E27FC236}">
-                <a16:creationId xmlns:a16="http://schemas.microsoft.com/office/drawing/2014/main" id="{6ACAF7D5-15EB-CD0B-9790-E167B5FE0E2C}"/>
+                <a16:creationId xmlns:a16="http://schemas.microsoft.com/office/drawing/2014/main" id="{A12D6705-E716-B0A1-B035-BD1D488877DA}"/>
               </a:ext>
             </a:extLst>
           </p:cNvPr>
@@ -658,7 +658,7 @@
           <a:bodyPr/>
           <a:lstStyle/>
           <a:p>
-            <a:fld id="{D06A9216-88B1-4B6A-883F-953750918394}" type="datetimeFigureOut">
+            <a:fld id="{6F27A701-3EB6-4B73-AAC6-EE638EA08860}" type="datetimeFigureOut">
               <a:rPr lang="zh-CN" altLang="en-US" smtClean="0"/>
               <a:t>2024/3/10</a:t>
             </a:fld>
@@ -671,7 +671,7 @@
           <p:cNvPr id="5" name="页脚占位符 4">
             <a:extLst>
               <a:ext uri="{FF2B5EF4-FFF2-40B4-BE49-F238E27FC236}">
-                <a16:creationId xmlns:a16="http://schemas.microsoft.com/office/drawing/2014/main" id="{824239C0-B9D8-37B2-D25E-F3D629C92FBF}"/>
+                <a16:creationId xmlns:a16="http://schemas.microsoft.com/office/drawing/2014/main" id="{859B42F1-39DC-8437-5C85-5C23B5F8D7DA}"/>
               </a:ext>
             </a:extLst>
           </p:cNvPr>
@@ -696,7 +696,7 @@
           <p:cNvPr id="6" name="灯片编号占位符 5">
             <a:extLst>
               <a:ext uri="{FF2B5EF4-FFF2-40B4-BE49-F238E27FC236}">
-                <a16:creationId xmlns:a16="http://schemas.microsoft.com/office/drawing/2014/main" id="{F43E0D09-C2D8-BE54-5882-D5019527E3CC}"/>
+                <a16:creationId xmlns:a16="http://schemas.microsoft.com/office/drawing/2014/main" id="{1E1EB6CB-F751-43D8-9C90-A8F790511BA8}"/>
               </a:ext>
             </a:extLst>
           </p:cNvPr>
@@ -712,7 +712,7 @@
           <a:bodyPr/>
           <a:lstStyle/>
           <a:p>
-            <a:fld id="{853083A5-DED1-4BBD-BAD8-60DB51954705}" type="slidenum">
+            <a:fld id="{5165751B-92E9-4719-B009-D0666559000A}" type="slidenum">
               <a:rPr lang="zh-CN" altLang="en-US" smtClean="0"/>
               <a:t>‹#›</a:t>
             </a:fld>
@@ -723,7 +723,7 @@
     </p:spTree>
     <p:extLst>
       <p:ext uri="{BB962C8B-B14F-4D97-AF65-F5344CB8AC3E}">
-        <p14:creationId xmlns:p14="http://schemas.microsoft.com/office/powerpoint/2010/main" val="3902663426"/>
+        <p14:creationId xmlns:p14="http://schemas.microsoft.com/office/powerpoint/2010/main" val="3489732501"/>
       </p:ext>
     </p:extLst>
   </p:cSld>
@@ -755,7 +755,7 @@
           <p:cNvPr id="2" name="标题 1">
             <a:extLst>
               <a:ext uri="{FF2B5EF4-FFF2-40B4-BE49-F238E27FC236}">
-                <a16:creationId xmlns:a16="http://schemas.microsoft.com/office/drawing/2014/main" id="{EEB100CE-376A-ECFE-6C86-33F66C276C40}"/>
+                <a16:creationId xmlns:a16="http://schemas.microsoft.com/office/drawing/2014/main" id="{5BA7A0CC-DE26-3A6A-4988-8A798C8AD7B9}"/>
               </a:ext>
             </a:extLst>
           </p:cNvPr>
@@ -783,7 +783,7 @@
           <p:cNvPr id="3" name="内容占位符 2">
             <a:extLst>
               <a:ext uri="{FF2B5EF4-FFF2-40B4-BE49-F238E27FC236}">
-                <a16:creationId xmlns:a16="http://schemas.microsoft.com/office/drawing/2014/main" id="{06A948D8-F3CC-E69D-C08A-6BC0A2FBCB27}"/>
+                <a16:creationId xmlns:a16="http://schemas.microsoft.com/office/drawing/2014/main" id="{EAB6CD46-541E-2F15-B54A-FA47001BD1DE}"/>
               </a:ext>
             </a:extLst>
           </p:cNvPr>
@@ -840,7 +840,7 @@
           <p:cNvPr id="4" name="日期占位符 3">
             <a:extLst>
               <a:ext uri="{FF2B5EF4-FFF2-40B4-BE49-F238E27FC236}">
-                <a16:creationId xmlns:a16="http://schemas.microsoft.com/office/drawing/2014/main" id="{87A43400-7AFD-7CB5-59AB-C56EC6A8B31F}"/>
+                <a16:creationId xmlns:a16="http://schemas.microsoft.com/office/drawing/2014/main" id="{9CC19F4A-7254-28D7-9A8F-230671337152}"/>
               </a:ext>
             </a:extLst>
           </p:cNvPr>
@@ -856,7 +856,7 @@
           <a:bodyPr/>
           <a:lstStyle/>
           <a:p>
-            <a:fld id="{D06A9216-88B1-4B6A-883F-953750918394}" type="datetimeFigureOut">
+            <a:fld id="{6F27A701-3EB6-4B73-AAC6-EE638EA08860}" type="datetimeFigureOut">
               <a:rPr lang="zh-CN" altLang="en-US" smtClean="0"/>
               <a:t>2024/3/10</a:t>
             </a:fld>
@@ -869,7 +869,7 @@
           <p:cNvPr id="5" name="页脚占位符 4">
             <a:extLst>
               <a:ext uri="{FF2B5EF4-FFF2-40B4-BE49-F238E27FC236}">
-                <a16:creationId xmlns:a16="http://schemas.microsoft.com/office/drawing/2014/main" id="{235DCA43-5305-F4CA-D279-1792E2938217}"/>
+                <a16:creationId xmlns:a16="http://schemas.microsoft.com/office/drawing/2014/main" id="{14D37B96-8911-B893-E3A4-3D525C76223D}"/>
               </a:ext>
             </a:extLst>
           </p:cNvPr>
@@ -894,7 +894,7 @@
           <p:cNvPr id="6" name="灯片编号占位符 5">
             <a:extLst>
               <a:ext uri="{FF2B5EF4-FFF2-40B4-BE49-F238E27FC236}">
-                <a16:creationId xmlns:a16="http://schemas.microsoft.com/office/drawing/2014/main" id="{C704D91C-0987-5044-CDB4-B93123F90C67}"/>
+                <a16:creationId xmlns:a16="http://schemas.microsoft.com/office/drawing/2014/main" id="{02B9DA3A-61FB-859A-9A4F-F240C96E7B84}"/>
               </a:ext>
             </a:extLst>
           </p:cNvPr>
@@ -910,7 +910,7 @@
           <a:bodyPr/>
           <a:lstStyle/>
           <a:p>
-            <a:fld id="{853083A5-DED1-4BBD-BAD8-60DB51954705}" type="slidenum">
+            <a:fld id="{5165751B-92E9-4719-B009-D0666559000A}" type="slidenum">
               <a:rPr lang="zh-CN" altLang="en-US" smtClean="0"/>
               <a:t>‹#›</a:t>
             </a:fld>
@@ -921,7 +921,7 @@
     </p:spTree>
     <p:extLst>
       <p:ext uri="{BB962C8B-B14F-4D97-AF65-F5344CB8AC3E}">
-        <p14:creationId xmlns:p14="http://schemas.microsoft.com/office/powerpoint/2010/main" val="1251615779"/>
+        <p14:creationId xmlns:p14="http://schemas.microsoft.com/office/powerpoint/2010/main" val="2554162229"/>
       </p:ext>
     </p:extLst>
   </p:cSld>
@@ -953,7 +953,7 @@
           <p:cNvPr id="2" name="标题 1">
             <a:extLst>
               <a:ext uri="{FF2B5EF4-FFF2-40B4-BE49-F238E27FC236}">
-                <a16:creationId xmlns:a16="http://schemas.microsoft.com/office/drawing/2014/main" id="{1D631AE8-4637-C3CF-F460-7F852CF041C5}"/>
+                <a16:creationId xmlns:a16="http://schemas.microsoft.com/office/drawing/2014/main" id="{3340F2CA-8CD9-4E7E-DE9C-9105F72AD950}"/>
               </a:ext>
             </a:extLst>
           </p:cNvPr>
@@ -990,7 +990,7 @@
           <p:cNvPr id="3" name="文本占位符 2">
             <a:extLst>
               <a:ext uri="{FF2B5EF4-FFF2-40B4-BE49-F238E27FC236}">
-                <a16:creationId xmlns:a16="http://schemas.microsoft.com/office/drawing/2014/main" id="{A6AC5B90-32AE-1534-F261-9FD7520777D9}"/>
+                <a16:creationId xmlns:a16="http://schemas.microsoft.com/office/drawing/2014/main" id="{B7922A04-18B8-3530-BE13-5057775DCE4D}"/>
               </a:ext>
             </a:extLst>
           </p:cNvPr>
@@ -1115,7 +1115,7 @@
           <p:cNvPr id="4" name="日期占位符 3">
             <a:extLst>
               <a:ext uri="{FF2B5EF4-FFF2-40B4-BE49-F238E27FC236}">
-                <a16:creationId xmlns:a16="http://schemas.microsoft.com/office/drawing/2014/main" id="{59ECD024-995D-6ED5-B754-89B6F4953D26}"/>
+                <a16:creationId xmlns:a16="http://schemas.microsoft.com/office/drawing/2014/main" id="{794BD8AD-FF8A-58FB-22EC-884B8738F8C1}"/>
               </a:ext>
             </a:extLst>
           </p:cNvPr>
@@ -1131,7 +1131,7 @@
           <a:bodyPr/>
           <a:lstStyle/>
           <a:p>
-            <a:fld id="{D06A9216-88B1-4B6A-883F-953750918394}" type="datetimeFigureOut">
+            <a:fld id="{6F27A701-3EB6-4B73-AAC6-EE638EA08860}" type="datetimeFigureOut">
               <a:rPr lang="zh-CN" altLang="en-US" smtClean="0"/>
               <a:t>2024/3/10</a:t>
             </a:fld>
@@ -1144,7 +1144,7 @@
           <p:cNvPr id="5" name="页脚占位符 4">
             <a:extLst>
               <a:ext uri="{FF2B5EF4-FFF2-40B4-BE49-F238E27FC236}">
-                <a16:creationId xmlns:a16="http://schemas.microsoft.com/office/drawing/2014/main" id="{315A7BB8-72F7-9039-1932-CFC00D0D8489}"/>
+                <a16:creationId xmlns:a16="http://schemas.microsoft.com/office/drawing/2014/main" id="{7570274A-7097-0373-EFF9-6A8C3D4C6196}"/>
               </a:ext>
             </a:extLst>
           </p:cNvPr>
@@ -1169,7 +1169,7 @@
           <p:cNvPr id="6" name="灯片编号占位符 5">
             <a:extLst>
               <a:ext uri="{FF2B5EF4-FFF2-40B4-BE49-F238E27FC236}">
-                <a16:creationId xmlns:a16="http://schemas.microsoft.com/office/drawing/2014/main" id="{00EC3E2F-6833-158A-3D8A-4CB7CA98E77F}"/>
+                <a16:creationId xmlns:a16="http://schemas.microsoft.com/office/drawing/2014/main" id="{855E4644-1EA4-AA64-A332-1EA850C4E6FE}"/>
               </a:ext>
             </a:extLst>
           </p:cNvPr>
@@ -1185,7 +1185,7 @@
           <a:bodyPr/>
           <a:lstStyle/>
           <a:p>
-            <a:fld id="{853083A5-DED1-4BBD-BAD8-60DB51954705}" type="slidenum">
+            <a:fld id="{5165751B-92E9-4719-B009-D0666559000A}" type="slidenum">
               <a:rPr lang="zh-CN" altLang="en-US" smtClean="0"/>
               <a:t>‹#›</a:t>
             </a:fld>
@@ -1196,7 +1196,7 @@
     </p:spTree>
     <p:extLst>
       <p:ext uri="{BB962C8B-B14F-4D97-AF65-F5344CB8AC3E}">
-        <p14:creationId xmlns:p14="http://schemas.microsoft.com/office/powerpoint/2010/main" val="2476999415"/>
+        <p14:creationId xmlns:p14="http://schemas.microsoft.com/office/powerpoint/2010/main" val="809644680"/>
       </p:ext>
     </p:extLst>
   </p:cSld>
@@ -1228,7 +1228,7 @@
           <p:cNvPr id="2" name="标题 1">
             <a:extLst>
               <a:ext uri="{FF2B5EF4-FFF2-40B4-BE49-F238E27FC236}">
-                <a16:creationId xmlns:a16="http://schemas.microsoft.com/office/drawing/2014/main" id="{310B6204-4E88-B06F-2FBA-061E7FAF906A}"/>
+                <a16:creationId xmlns:a16="http://schemas.microsoft.com/office/drawing/2014/main" id="{F46A7102-BE17-8E34-CEF5-F8B8846B332F}"/>
               </a:ext>
             </a:extLst>
           </p:cNvPr>
@@ -1256,7 +1256,7 @@
           <p:cNvPr id="3" name="内容占位符 2">
             <a:extLst>
               <a:ext uri="{FF2B5EF4-FFF2-40B4-BE49-F238E27FC236}">
-                <a16:creationId xmlns:a16="http://schemas.microsoft.com/office/drawing/2014/main" id="{32107C6D-A1B0-2F02-8098-3F74A26AE588}"/>
+                <a16:creationId xmlns:a16="http://schemas.microsoft.com/office/drawing/2014/main" id="{AD1A3960-6D9A-EBE5-E1C1-FCB6BBBC2512}"/>
               </a:ext>
             </a:extLst>
           </p:cNvPr>
@@ -1318,7 +1318,7 @@
           <p:cNvPr id="4" name="内容占位符 3">
             <a:extLst>
               <a:ext uri="{FF2B5EF4-FFF2-40B4-BE49-F238E27FC236}">
-                <a16:creationId xmlns:a16="http://schemas.microsoft.com/office/drawing/2014/main" id="{C313EEA5-6C76-D760-1ED7-CAC7BB5BB739}"/>
+                <a16:creationId xmlns:a16="http://schemas.microsoft.com/office/drawing/2014/main" id="{21C3653B-AF38-EBE1-9FFA-4D510FE8FB9F}"/>
               </a:ext>
             </a:extLst>
           </p:cNvPr>
@@ -1380,7 +1380,7 @@
           <p:cNvPr id="5" name="日期占位符 4">
             <a:extLst>
               <a:ext uri="{FF2B5EF4-FFF2-40B4-BE49-F238E27FC236}">
-                <a16:creationId xmlns:a16="http://schemas.microsoft.com/office/drawing/2014/main" id="{1FD7A7DC-A5E1-9C91-32C0-68F85097B096}"/>
+                <a16:creationId xmlns:a16="http://schemas.microsoft.com/office/drawing/2014/main" id="{D4A17729-54D3-4082-A220-125A61B57011}"/>
               </a:ext>
             </a:extLst>
           </p:cNvPr>
@@ -1396,7 +1396,7 @@
           <a:bodyPr/>
           <a:lstStyle/>
           <a:p>
-            <a:fld id="{D06A9216-88B1-4B6A-883F-953750918394}" type="datetimeFigureOut">
+            <a:fld id="{6F27A701-3EB6-4B73-AAC6-EE638EA08860}" type="datetimeFigureOut">
               <a:rPr lang="zh-CN" altLang="en-US" smtClean="0"/>
               <a:t>2024/3/10</a:t>
             </a:fld>
@@ -1409,7 +1409,7 @@
           <p:cNvPr id="6" name="页脚占位符 5">
             <a:extLst>
               <a:ext uri="{FF2B5EF4-FFF2-40B4-BE49-F238E27FC236}">
-                <a16:creationId xmlns:a16="http://schemas.microsoft.com/office/drawing/2014/main" id="{9EE1BC59-931E-4599-9D46-79D304B0DF10}"/>
+                <a16:creationId xmlns:a16="http://schemas.microsoft.com/office/drawing/2014/main" id="{A4BE7A8A-4E8E-2D11-0D64-6D3A4A2934C8}"/>
               </a:ext>
             </a:extLst>
           </p:cNvPr>
@@ -1434,7 +1434,7 @@
           <p:cNvPr id="7" name="灯片编号占位符 6">
             <a:extLst>
               <a:ext uri="{FF2B5EF4-FFF2-40B4-BE49-F238E27FC236}">
-                <a16:creationId xmlns:a16="http://schemas.microsoft.com/office/drawing/2014/main" id="{7EE19E73-3096-660D-100C-E8CDB0894648}"/>
+                <a16:creationId xmlns:a16="http://schemas.microsoft.com/office/drawing/2014/main" id="{6CEBDAD9-EE20-5ABE-A17F-806FF622E473}"/>
               </a:ext>
             </a:extLst>
           </p:cNvPr>
@@ -1450,7 +1450,7 @@
           <a:bodyPr/>
           <a:lstStyle/>
           <a:p>
-            <a:fld id="{853083A5-DED1-4BBD-BAD8-60DB51954705}" type="slidenum">
+            <a:fld id="{5165751B-92E9-4719-B009-D0666559000A}" type="slidenum">
               <a:rPr lang="zh-CN" altLang="en-US" smtClean="0"/>
               <a:t>‹#›</a:t>
             </a:fld>
@@ -1461,7 +1461,7 @@
     </p:spTree>
     <p:extLst>
       <p:ext uri="{BB962C8B-B14F-4D97-AF65-F5344CB8AC3E}">
-        <p14:creationId xmlns:p14="http://schemas.microsoft.com/office/powerpoint/2010/main" val="678006847"/>
+        <p14:creationId xmlns:p14="http://schemas.microsoft.com/office/powerpoint/2010/main" val="2710525384"/>
       </p:ext>
     </p:extLst>
   </p:cSld>
@@ -1493,7 +1493,7 @@
           <p:cNvPr id="2" name="标题 1">
             <a:extLst>
               <a:ext uri="{FF2B5EF4-FFF2-40B4-BE49-F238E27FC236}">
-                <a16:creationId xmlns:a16="http://schemas.microsoft.com/office/drawing/2014/main" id="{E71BF5E4-F190-8755-7F91-03D3B9D6CE0D}"/>
+                <a16:creationId xmlns:a16="http://schemas.microsoft.com/office/drawing/2014/main" id="{27CE2095-8A26-6272-55EA-33369B760FBD}"/>
               </a:ext>
             </a:extLst>
           </p:cNvPr>
@@ -1526,7 +1526,7 @@
           <p:cNvPr id="3" name="文本占位符 2">
             <a:extLst>
               <a:ext uri="{FF2B5EF4-FFF2-40B4-BE49-F238E27FC236}">
-                <a16:creationId xmlns:a16="http://schemas.microsoft.com/office/drawing/2014/main" id="{A511CFB4-95C1-3112-EB2B-F4390F46EC45}"/>
+                <a16:creationId xmlns:a16="http://schemas.microsoft.com/office/drawing/2014/main" id="{3F58A051-1C61-0FE1-273F-96A507FD0099}"/>
               </a:ext>
             </a:extLst>
           </p:cNvPr>
@@ -1597,7 +1597,7 @@
           <p:cNvPr id="4" name="内容占位符 3">
             <a:extLst>
               <a:ext uri="{FF2B5EF4-FFF2-40B4-BE49-F238E27FC236}">
-                <a16:creationId xmlns:a16="http://schemas.microsoft.com/office/drawing/2014/main" id="{A720BFD4-CB26-212A-0A1E-70E824198861}"/>
+                <a16:creationId xmlns:a16="http://schemas.microsoft.com/office/drawing/2014/main" id="{E9C5EEEF-BF25-5D02-E926-7310B718E784}"/>
               </a:ext>
             </a:extLst>
           </p:cNvPr>
@@ -1659,7 +1659,7 @@
           <p:cNvPr id="5" name="文本占位符 4">
             <a:extLst>
               <a:ext uri="{FF2B5EF4-FFF2-40B4-BE49-F238E27FC236}">
-                <a16:creationId xmlns:a16="http://schemas.microsoft.com/office/drawing/2014/main" id="{127DFACF-92FE-BB65-DB9B-F3D0E1CC4EC4}"/>
+                <a16:creationId xmlns:a16="http://schemas.microsoft.com/office/drawing/2014/main" id="{E6044E6A-84DE-27E3-8A92-624A92E51CCE}"/>
               </a:ext>
             </a:extLst>
           </p:cNvPr>
@@ -1730,7 +1730,7 @@
           <p:cNvPr id="6" name="内容占位符 5">
             <a:extLst>
               <a:ext uri="{FF2B5EF4-FFF2-40B4-BE49-F238E27FC236}">
-                <a16:creationId xmlns:a16="http://schemas.microsoft.com/office/drawing/2014/main" id="{2B1F23CC-AFA4-5E36-AEB1-79D27CC7468C}"/>
+                <a16:creationId xmlns:a16="http://schemas.microsoft.com/office/drawing/2014/main" id="{1216684B-89E1-8564-F06E-40E50FD55566}"/>
               </a:ext>
             </a:extLst>
           </p:cNvPr>
@@ -1792,7 +1792,7 @@
           <p:cNvPr id="7" name="日期占位符 6">
             <a:extLst>
               <a:ext uri="{FF2B5EF4-FFF2-40B4-BE49-F238E27FC236}">
-                <a16:creationId xmlns:a16="http://schemas.microsoft.com/office/drawing/2014/main" id="{FFEACDEC-76B1-3BA0-E997-3DD423FA17FA}"/>
+                <a16:creationId xmlns:a16="http://schemas.microsoft.com/office/drawing/2014/main" id="{AFE0374C-AAAA-531A-092D-89A8B02C67A9}"/>
               </a:ext>
             </a:extLst>
           </p:cNvPr>
@@ -1808,7 +1808,7 @@
           <a:bodyPr/>
           <a:lstStyle/>
           <a:p>
-            <a:fld id="{D06A9216-88B1-4B6A-883F-953750918394}" type="datetimeFigureOut">
+            <a:fld id="{6F27A701-3EB6-4B73-AAC6-EE638EA08860}" type="datetimeFigureOut">
               <a:rPr lang="zh-CN" altLang="en-US" smtClean="0"/>
               <a:t>2024/3/10</a:t>
             </a:fld>
@@ -1821,7 +1821,7 @@
           <p:cNvPr id="8" name="页脚占位符 7">
             <a:extLst>
               <a:ext uri="{FF2B5EF4-FFF2-40B4-BE49-F238E27FC236}">
-                <a16:creationId xmlns:a16="http://schemas.microsoft.com/office/drawing/2014/main" id="{049B46F0-759F-8A97-95A4-493FE85BE1AF}"/>
+                <a16:creationId xmlns:a16="http://schemas.microsoft.com/office/drawing/2014/main" id="{24F3241C-A356-07BE-C83A-8FAFEC894AA3}"/>
               </a:ext>
             </a:extLst>
           </p:cNvPr>
@@ -1846,7 +1846,7 @@
           <p:cNvPr id="9" name="灯片编号占位符 8">
             <a:extLst>
               <a:ext uri="{FF2B5EF4-FFF2-40B4-BE49-F238E27FC236}">
-                <a16:creationId xmlns:a16="http://schemas.microsoft.com/office/drawing/2014/main" id="{2029FF4E-C6C4-154F-F4E2-379750D09DFE}"/>
+                <a16:creationId xmlns:a16="http://schemas.microsoft.com/office/drawing/2014/main" id="{4A3540A8-AEC5-2495-402E-FBB9FC54E9D6}"/>
               </a:ext>
             </a:extLst>
           </p:cNvPr>
@@ -1862,7 +1862,7 @@
           <a:bodyPr/>
           <a:lstStyle/>
           <a:p>
-            <a:fld id="{853083A5-DED1-4BBD-BAD8-60DB51954705}" type="slidenum">
+            <a:fld id="{5165751B-92E9-4719-B009-D0666559000A}" type="slidenum">
               <a:rPr lang="zh-CN" altLang="en-US" smtClean="0"/>
               <a:t>‹#›</a:t>
             </a:fld>
@@ -1873,7 +1873,7 @@
     </p:spTree>
     <p:extLst>
       <p:ext uri="{BB962C8B-B14F-4D97-AF65-F5344CB8AC3E}">
-        <p14:creationId xmlns:p14="http://schemas.microsoft.com/office/powerpoint/2010/main" val="1097827784"/>
+        <p14:creationId xmlns:p14="http://schemas.microsoft.com/office/powerpoint/2010/main" val="4261300326"/>
       </p:ext>
     </p:extLst>
   </p:cSld>
@@ -1905,7 +1905,7 @@
           <p:cNvPr id="2" name="标题 1">
             <a:extLst>
               <a:ext uri="{FF2B5EF4-FFF2-40B4-BE49-F238E27FC236}">
-                <a16:creationId xmlns:a16="http://schemas.microsoft.com/office/drawing/2014/main" id="{EB0BA204-17AC-6A67-6CF5-B19AC7761FB4}"/>
+                <a16:creationId xmlns:a16="http://schemas.microsoft.com/office/drawing/2014/main" id="{BE4A5B61-BC02-F9F2-2D27-396804AD9FB2}"/>
               </a:ext>
             </a:extLst>
           </p:cNvPr>
@@ -1933,7 +1933,7 @@
           <p:cNvPr id="3" name="日期占位符 2">
             <a:extLst>
               <a:ext uri="{FF2B5EF4-FFF2-40B4-BE49-F238E27FC236}">
-                <a16:creationId xmlns:a16="http://schemas.microsoft.com/office/drawing/2014/main" id="{D931FD63-097A-AE2F-3EED-65220685E12A}"/>
+                <a16:creationId xmlns:a16="http://schemas.microsoft.com/office/drawing/2014/main" id="{4E3967C5-7769-F27D-FB55-9719639DDA0C}"/>
               </a:ext>
             </a:extLst>
           </p:cNvPr>
@@ -1949,7 +1949,7 @@
           <a:bodyPr/>
           <a:lstStyle/>
           <a:p>
-            <a:fld id="{D06A9216-88B1-4B6A-883F-953750918394}" type="datetimeFigureOut">
+            <a:fld id="{6F27A701-3EB6-4B73-AAC6-EE638EA08860}" type="datetimeFigureOut">
               <a:rPr lang="zh-CN" altLang="en-US" smtClean="0"/>
               <a:t>2024/3/10</a:t>
             </a:fld>
@@ -1962,7 +1962,7 @@
           <p:cNvPr id="4" name="页脚占位符 3">
             <a:extLst>
               <a:ext uri="{FF2B5EF4-FFF2-40B4-BE49-F238E27FC236}">
-                <a16:creationId xmlns:a16="http://schemas.microsoft.com/office/drawing/2014/main" id="{FBD1EC7F-1C01-4D73-0FFE-71FBA3CEE367}"/>
+                <a16:creationId xmlns:a16="http://schemas.microsoft.com/office/drawing/2014/main" id="{F3F6F70E-EA98-10FC-8CEA-0853C980F16B}"/>
               </a:ext>
             </a:extLst>
           </p:cNvPr>
@@ -1987,7 +1987,7 @@
           <p:cNvPr id="5" name="灯片编号占位符 4">
             <a:extLst>
               <a:ext uri="{FF2B5EF4-FFF2-40B4-BE49-F238E27FC236}">
-                <a16:creationId xmlns:a16="http://schemas.microsoft.com/office/drawing/2014/main" id="{2E7DC8EB-160C-8520-A269-545228F566F5}"/>
+                <a16:creationId xmlns:a16="http://schemas.microsoft.com/office/drawing/2014/main" id="{4195A414-E165-70DA-0371-162610AE0AA5}"/>
               </a:ext>
             </a:extLst>
           </p:cNvPr>
@@ -2003,7 +2003,7 @@
           <a:bodyPr/>
           <a:lstStyle/>
           <a:p>
-            <a:fld id="{853083A5-DED1-4BBD-BAD8-60DB51954705}" type="slidenum">
+            <a:fld id="{5165751B-92E9-4719-B009-D0666559000A}" type="slidenum">
               <a:rPr lang="zh-CN" altLang="en-US" smtClean="0"/>
               <a:t>‹#›</a:t>
             </a:fld>
@@ -2014,7 +2014,7 @@
     </p:spTree>
     <p:extLst>
       <p:ext uri="{BB962C8B-B14F-4D97-AF65-F5344CB8AC3E}">
-        <p14:creationId xmlns:p14="http://schemas.microsoft.com/office/powerpoint/2010/main" val="619728598"/>
+        <p14:creationId xmlns:p14="http://schemas.microsoft.com/office/powerpoint/2010/main" val="2171102180"/>
       </p:ext>
     </p:extLst>
   </p:cSld>
@@ -2046,7 +2046,7 @@
           <p:cNvPr id="2" name="日期占位符 1">
             <a:extLst>
               <a:ext uri="{FF2B5EF4-FFF2-40B4-BE49-F238E27FC236}">
-                <a16:creationId xmlns:a16="http://schemas.microsoft.com/office/drawing/2014/main" id="{03A1CF82-6B9D-85E8-9463-60E4B853DB71}"/>
+                <a16:creationId xmlns:a16="http://schemas.microsoft.com/office/drawing/2014/main" id="{28730BF2-30BE-36DD-8413-DF8759A1118C}"/>
               </a:ext>
             </a:extLst>
           </p:cNvPr>
@@ -2062,7 +2062,7 @@
           <a:bodyPr/>
           <a:lstStyle/>
           <a:p>
-            <a:fld id="{D06A9216-88B1-4B6A-883F-953750918394}" type="datetimeFigureOut">
+            <a:fld id="{6F27A701-3EB6-4B73-AAC6-EE638EA08860}" type="datetimeFigureOut">
               <a:rPr lang="zh-CN" altLang="en-US" smtClean="0"/>
               <a:t>2024/3/10</a:t>
             </a:fld>
@@ -2075,7 +2075,7 @@
           <p:cNvPr id="3" name="页脚占位符 2">
             <a:extLst>
               <a:ext uri="{FF2B5EF4-FFF2-40B4-BE49-F238E27FC236}">
-                <a16:creationId xmlns:a16="http://schemas.microsoft.com/office/drawing/2014/main" id="{3C5330B7-C99A-8B0F-32D6-6E0B3D32CAEE}"/>
+                <a16:creationId xmlns:a16="http://schemas.microsoft.com/office/drawing/2014/main" id="{0840F438-27F4-3C88-2CF1-4658988B2590}"/>
               </a:ext>
             </a:extLst>
           </p:cNvPr>
@@ -2100,7 +2100,7 @@
           <p:cNvPr id="4" name="灯片编号占位符 3">
             <a:extLst>
               <a:ext uri="{FF2B5EF4-FFF2-40B4-BE49-F238E27FC236}">
-                <a16:creationId xmlns:a16="http://schemas.microsoft.com/office/drawing/2014/main" id="{4A432953-6240-5538-5868-42BDC3A4F3EC}"/>
+                <a16:creationId xmlns:a16="http://schemas.microsoft.com/office/drawing/2014/main" id="{3C8082CC-00C2-A6B6-EBF5-D39AED969E83}"/>
               </a:ext>
             </a:extLst>
           </p:cNvPr>
@@ -2116,7 +2116,7 @@
           <a:bodyPr/>
           <a:lstStyle/>
           <a:p>
-            <a:fld id="{853083A5-DED1-4BBD-BAD8-60DB51954705}" type="slidenum">
+            <a:fld id="{5165751B-92E9-4719-B009-D0666559000A}" type="slidenum">
               <a:rPr lang="zh-CN" altLang="en-US" smtClean="0"/>
               <a:t>‹#›</a:t>
             </a:fld>
@@ -2127,7 +2127,7 @@
     </p:spTree>
     <p:extLst>
       <p:ext uri="{BB962C8B-B14F-4D97-AF65-F5344CB8AC3E}">
-        <p14:creationId xmlns:p14="http://schemas.microsoft.com/office/powerpoint/2010/main" val="2577008973"/>
+        <p14:creationId xmlns:p14="http://schemas.microsoft.com/office/powerpoint/2010/main" val="4187534058"/>
       </p:ext>
     </p:extLst>
   </p:cSld>
@@ -2159,7 +2159,7 @@
           <p:cNvPr id="2" name="标题 1">
             <a:extLst>
               <a:ext uri="{FF2B5EF4-FFF2-40B4-BE49-F238E27FC236}">
-                <a16:creationId xmlns:a16="http://schemas.microsoft.com/office/drawing/2014/main" id="{7F07C9B4-4657-9B7C-E4F0-0C301762E74E}"/>
+                <a16:creationId xmlns:a16="http://schemas.microsoft.com/office/drawing/2014/main" id="{572673D1-E160-15CC-4A14-07B92356A20B}"/>
               </a:ext>
             </a:extLst>
           </p:cNvPr>
@@ -2196,7 +2196,7 @@
           <p:cNvPr id="3" name="内容占位符 2">
             <a:extLst>
               <a:ext uri="{FF2B5EF4-FFF2-40B4-BE49-F238E27FC236}">
-                <a16:creationId xmlns:a16="http://schemas.microsoft.com/office/drawing/2014/main" id="{F2FC17BD-AA3C-FB37-21A8-05FC0EBA4207}"/>
+                <a16:creationId xmlns:a16="http://schemas.microsoft.com/office/drawing/2014/main" id="{0E6F4223-6316-E90E-D164-A6C0F75D95DB}"/>
               </a:ext>
             </a:extLst>
           </p:cNvPr>
@@ -2286,7 +2286,7 @@
           <p:cNvPr id="4" name="文本占位符 3">
             <a:extLst>
               <a:ext uri="{FF2B5EF4-FFF2-40B4-BE49-F238E27FC236}">
-                <a16:creationId xmlns:a16="http://schemas.microsoft.com/office/drawing/2014/main" id="{ED78E5AD-AD24-1695-D3ED-066AD1DF472F}"/>
+                <a16:creationId xmlns:a16="http://schemas.microsoft.com/office/drawing/2014/main" id="{4C69F89C-5FC1-5930-AA34-E89793C8841A}"/>
               </a:ext>
             </a:extLst>
           </p:cNvPr>
@@ -2357,7 +2357,7 @@
           <p:cNvPr id="5" name="日期占位符 4">
             <a:extLst>
               <a:ext uri="{FF2B5EF4-FFF2-40B4-BE49-F238E27FC236}">
-                <a16:creationId xmlns:a16="http://schemas.microsoft.com/office/drawing/2014/main" id="{EC3F7562-4E87-8CAF-FC79-CB42344B222E}"/>
+                <a16:creationId xmlns:a16="http://schemas.microsoft.com/office/drawing/2014/main" id="{4052F79B-C006-F23B-7BCF-E0C404D1B441}"/>
               </a:ext>
             </a:extLst>
           </p:cNvPr>
@@ -2373,7 +2373,7 @@
           <a:bodyPr/>
           <a:lstStyle/>
           <a:p>
-            <a:fld id="{D06A9216-88B1-4B6A-883F-953750918394}" type="datetimeFigureOut">
+            <a:fld id="{6F27A701-3EB6-4B73-AAC6-EE638EA08860}" type="datetimeFigureOut">
               <a:rPr lang="zh-CN" altLang="en-US" smtClean="0"/>
               <a:t>2024/3/10</a:t>
             </a:fld>
@@ -2386,7 +2386,7 @@
           <p:cNvPr id="6" name="页脚占位符 5">
             <a:extLst>
               <a:ext uri="{FF2B5EF4-FFF2-40B4-BE49-F238E27FC236}">
-                <a16:creationId xmlns:a16="http://schemas.microsoft.com/office/drawing/2014/main" id="{96096F9F-8A8D-5D1C-CB8A-E94E76222455}"/>
+                <a16:creationId xmlns:a16="http://schemas.microsoft.com/office/drawing/2014/main" id="{21091D47-7887-11F2-2B02-05C8EEE2ADDA}"/>
               </a:ext>
             </a:extLst>
           </p:cNvPr>
@@ -2411,7 +2411,7 @@
           <p:cNvPr id="7" name="灯片编号占位符 6">
             <a:extLst>
               <a:ext uri="{FF2B5EF4-FFF2-40B4-BE49-F238E27FC236}">
-                <a16:creationId xmlns:a16="http://schemas.microsoft.com/office/drawing/2014/main" id="{1137EAEF-E8FD-3174-70EB-F477C988F106}"/>
+                <a16:creationId xmlns:a16="http://schemas.microsoft.com/office/drawing/2014/main" id="{F03BBC71-2256-C949-E298-AE8EA42AE5BA}"/>
               </a:ext>
             </a:extLst>
           </p:cNvPr>
@@ -2427,7 +2427,7 @@
           <a:bodyPr/>
           <a:lstStyle/>
           <a:p>
-            <a:fld id="{853083A5-DED1-4BBD-BAD8-60DB51954705}" type="slidenum">
+            <a:fld id="{5165751B-92E9-4719-B009-D0666559000A}" type="slidenum">
               <a:rPr lang="zh-CN" altLang="en-US" smtClean="0"/>
               <a:t>‹#›</a:t>
             </a:fld>
@@ -2438,7 +2438,7 @@
     </p:spTree>
     <p:extLst>
       <p:ext uri="{BB962C8B-B14F-4D97-AF65-F5344CB8AC3E}">
-        <p14:creationId xmlns:p14="http://schemas.microsoft.com/office/powerpoint/2010/main" val="3221244203"/>
+        <p14:creationId xmlns:p14="http://schemas.microsoft.com/office/powerpoint/2010/main" val="1072549274"/>
       </p:ext>
     </p:extLst>
   </p:cSld>
@@ -2470,7 +2470,7 @@
           <p:cNvPr id="2" name="标题 1">
             <a:extLst>
               <a:ext uri="{FF2B5EF4-FFF2-40B4-BE49-F238E27FC236}">
-                <a16:creationId xmlns:a16="http://schemas.microsoft.com/office/drawing/2014/main" id="{B9324BB9-0E21-EBB8-B326-AF31505A09BF}"/>
+                <a16:creationId xmlns:a16="http://schemas.microsoft.com/office/drawing/2014/main" id="{A1F9E9EC-30F3-6E98-A532-C299C4235B74}"/>
               </a:ext>
             </a:extLst>
           </p:cNvPr>
@@ -2507,7 +2507,7 @@
           <p:cNvPr id="3" name="图片占位符 2">
             <a:extLst>
               <a:ext uri="{FF2B5EF4-FFF2-40B4-BE49-F238E27FC236}">
-                <a16:creationId xmlns:a16="http://schemas.microsoft.com/office/drawing/2014/main" id="{8E366E09-F14D-C108-253C-C614810B0DBD}"/>
+                <a16:creationId xmlns:a16="http://schemas.microsoft.com/office/drawing/2014/main" id="{D6E98FB9-E993-58C6-7BCD-B30173525159}"/>
               </a:ext>
             </a:extLst>
           </p:cNvPr>
@@ -2574,7 +2574,7 @@
           <p:cNvPr id="4" name="文本占位符 3">
             <a:extLst>
               <a:ext uri="{FF2B5EF4-FFF2-40B4-BE49-F238E27FC236}">
-                <a16:creationId xmlns:a16="http://schemas.microsoft.com/office/drawing/2014/main" id="{E2EEC806-A3FF-0A53-132B-E14FD7DA7B3C}"/>
+                <a16:creationId xmlns:a16="http://schemas.microsoft.com/office/drawing/2014/main" id="{8977C34D-683A-7A3B-D160-69F3573CCF57}"/>
               </a:ext>
             </a:extLst>
           </p:cNvPr>
@@ -2645,7 +2645,7 @@
           <p:cNvPr id="5" name="日期占位符 4">
             <a:extLst>
               <a:ext uri="{FF2B5EF4-FFF2-40B4-BE49-F238E27FC236}">
-                <a16:creationId xmlns:a16="http://schemas.microsoft.com/office/drawing/2014/main" id="{B552D7A3-E65F-CE50-E33A-3F38BBFB23B5}"/>
+                <a16:creationId xmlns:a16="http://schemas.microsoft.com/office/drawing/2014/main" id="{475B5D26-7C63-79F3-9BDF-20BF17C98324}"/>
               </a:ext>
             </a:extLst>
           </p:cNvPr>
@@ -2661,7 +2661,7 @@
           <a:bodyPr/>
           <a:lstStyle/>
           <a:p>
-            <a:fld id="{D06A9216-88B1-4B6A-883F-953750918394}" type="datetimeFigureOut">
+            <a:fld id="{6F27A701-3EB6-4B73-AAC6-EE638EA08860}" type="datetimeFigureOut">
               <a:rPr lang="zh-CN" altLang="en-US" smtClean="0"/>
               <a:t>2024/3/10</a:t>
             </a:fld>
@@ -2674,7 +2674,7 @@
           <p:cNvPr id="6" name="页脚占位符 5">
             <a:extLst>
               <a:ext uri="{FF2B5EF4-FFF2-40B4-BE49-F238E27FC236}">
-                <a16:creationId xmlns:a16="http://schemas.microsoft.com/office/drawing/2014/main" id="{3C39E065-E268-B1C5-89A2-C362FDB1970C}"/>
+                <a16:creationId xmlns:a16="http://schemas.microsoft.com/office/drawing/2014/main" id="{D6A2C2AD-D2DE-58D2-EE4A-0A1F25475234}"/>
               </a:ext>
             </a:extLst>
           </p:cNvPr>
@@ -2699,7 +2699,7 @@
           <p:cNvPr id="7" name="灯片编号占位符 6">
             <a:extLst>
               <a:ext uri="{FF2B5EF4-FFF2-40B4-BE49-F238E27FC236}">
-                <a16:creationId xmlns:a16="http://schemas.microsoft.com/office/drawing/2014/main" id="{F6582949-49DF-CC71-418F-7DF2E65A22A5}"/>
+                <a16:creationId xmlns:a16="http://schemas.microsoft.com/office/drawing/2014/main" id="{03B8A433-6A1F-CCD7-88A4-FD3441085AD8}"/>
               </a:ext>
             </a:extLst>
           </p:cNvPr>
@@ -2715,7 +2715,7 @@
           <a:bodyPr/>
           <a:lstStyle/>
           <a:p>
-            <a:fld id="{853083A5-DED1-4BBD-BAD8-60DB51954705}" type="slidenum">
+            <a:fld id="{5165751B-92E9-4719-B009-D0666559000A}" type="slidenum">
               <a:rPr lang="zh-CN" altLang="en-US" smtClean="0"/>
               <a:t>‹#›</a:t>
             </a:fld>
@@ -2726,7 +2726,7 @@
     </p:spTree>
     <p:extLst>
       <p:ext uri="{BB962C8B-B14F-4D97-AF65-F5344CB8AC3E}">
-        <p14:creationId xmlns:p14="http://schemas.microsoft.com/office/powerpoint/2010/main" val="1626520312"/>
+        <p14:creationId xmlns:p14="http://schemas.microsoft.com/office/powerpoint/2010/main" val="3098844998"/>
       </p:ext>
     </p:extLst>
   </p:cSld>
@@ -2763,7 +2763,7 @@
           <p:cNvPr id="2" name="标题占位符 1">
             <a:extLst>
               <a:ext uri="{FF2B5EF4-FFF2-40B4-BE49-F238E27FC236}">
-                <a16:creationId xmlns:a16="http://schemas.microsoft.com/office/drawing/2014/main" id="{E5BA4F54-1555-4E96-5749-4CBC28943421}"/>
+                <a16:creationId xmlns:a16="http://schemas.microsoft.com/office/drawing/2014/main" id="{E39D3FF8-872E-567B-53C4-0CDECE1CF5E9}"/>
               </a:ext>
             </a:extLst>
           </p:cNvPr>
@@ -2801,7 +2801,7 @@
           <p:cNvPr id="3" name="文本占位符 2">
             <a:extLst>
               <a:ext uri="{FF2B5EF4-FFF2-40B4-BE49-F238E27FC236}">
-                <a16:creationId xmlns:a16="http://schemas.microsoft.com/office/drawing/2014/main" id="{2F12A8E8-AF1C-9DDB-F738-EDDCCC0572C7}"/>
+                <a16:creationId xmlns:a16="http://schemas.microsoft.com/office/drawing/2014/main" id="{69D06DCF-CDB3-8565-C3A4-DBE2EACB2576}"/>
               </a:ext>
             </a:extLst>
           </p:cNvPr>
@@ -2868,7 +2868,7 @@
           <p:cNvPr id="4" name="日期占位符 3">
             <a:extLst>
               <a:ext uri="{FF2B5EF4-FFF2-40B4-BE49-F238E27FC236}">
-                <a16:creationId xmlns:a16="http://schemas.microsoft.com/office/drawing/2014/main" id="{FE3F4F11-79BB-160A-447B-4D5FB216CB0E}"/>
+                <a16:creationId xmlns:a16="http://schemas.microsoft.com/office/drawing/2014/main" id="{08679992-6550-7BA3-A550-7D02C9AB5104}"/>
               </a:ext>
             </a:extLst>
           </p:cNvPr>
@@ -2902,7 +2902,7 @@
             </a:lvl1pPr>
           </a:lstStyle>
           <a:p>
-            <a:fld id="{D06A9216-88B1-4B6A-883F-953750918394}" type="datetimeFigureOut">
+            <a:fld id="{6F27A701-3EB6-4B73-AAC6-EE638EA08860}" type="datetimeFigureOut">
               <a:rPr lang="zh-CN" altLang="en-US" smtClean="0"/>
               <a:t>2024/3/10</a:t>
             </a:fld>
@@ -2915,7 +2915,7 @@
           <p:cNvPr id="5" name="页脚占位符 4">
             <a:extLst>
               <a:ext uri="{FF2B5EF4-FFF2-40B4-BE49-F238E27FC236}">
-                <a16:creationId xmlns:a16="http://schemas.microsoft.com/office/drawing/2014/main" id="{D18D3A0C-A27D-A1CB-1BB3-FD82A21ADEF1}"/>
+                <a16:creationId xmlns:a16="http://schemas.microsoft.com/office/drawing/2014/main" id="{F2C90B24-E5C3-C935-3373-511353DC23CF}"/>
               </a:ext>
             </a:extLst>
           </p:cNvPr>
@@ -2958,7 +2958,7 @@
           <p:cNvPr id="6" name="灯片编号占位符 5">
             <a:extLst>
               <a:ext uri="{FF2B5EF4-FFF2-40B4-BE49-F238E27FC236}">
-                <a16:creationId xmlns:a16="http://schemas.microsoft.com/office/drawing/2014/main" id="{799A4F74-CB06-66D4-1EC3-7EE14A0FFF1F}"/>
+                <a16:creationId xmlns:a16="http://schemas.microsoft.com/office/drawing/2014/main" id="{42285089-B428-E3C4-63EA-02690C8F3D57}"/>
               </a:ext>
             </a:extLst>
           </p:cNvPr>
@@ -2992,7 +2992,7 @@
             </a:lvl1pPr>
           </a:lstStyle>
           <a:p>
-            <a:fld id="{853083A5-DED1-4BBD-BAD8-60DB51954705}" type="slidenum">
+            <a:fld id="{5165751B-92E9-4719-B009-D0666559000A}" type="slidenum">
               <a:rPr lang="zh-CN" altLang="en-US" smtClean="0"/>
               <a:t>‹#›</a:t>
             </a:fld>
@@ -3003,7 +3003,7 @@
     </p:spTree>
     <p:extLst>
       <p:ext uri="{BB962C8B-B14F-4D97-AF65-F5344CB8AC3E}">
-        <p14:creationId xmlns:p14="http://schemas.microsoft.com/office/powerpoint/2010/main" val="2115043601"/>
+        <p14:creationId xmlns:p14="http://schemas.microsoft.com/office/powerpoint/2010/main" val="2704712082"/>
       </p:ext>
     </p:extLst>
   </p:cSld>
